--- a/Lab/PPT/第一次实验.pptx
+++ b/Lab/PPT/第一次实验.pptx
@@ -27,41 +27,41 @@
   <p:notesSz cx="7104063" cy="10234613"/>
   <p:embeddedFontLst>
     <p:embeddedFont>
+      <p:font typeface="等线" panose="02010600030101010101" pitchFamily="2" charset="-122"/>
+      <p:regular r:id="rId17"/>
+      <p:bold r:id="rId18"/>
+    </p:embeddedFont>
+    <p:embeddedFont>
+      <p:font typeface="等线" panose="02010600030101010101" pitchFamily="2" charset="-122"/>
+      <p:regular r:id="rId17"/>
+      <p:bold r:id="rId18"/>
+    </p:embeddedFont>
+    <p:embeddedFont>
+      <p:font typeface="宋体" panose="02010600030101010101" pitchFamily="2" charset="-122"/>
+      <p:regular r:id="rId19"/>
+    </p:embeddedFont>
+    <p:embeddedFont>
+      <p:font typeface="微软雅黑" panose="020B0503020204020204" pitchFamily="34" charset="-122"/>
+      <p:regular r:id="rId20"/>
+      <p:bold r:id="rId21"/>
+    </p:embeddedFont>
+    <p:embeddedFont>
       <p:font typeface="Cambria Math" panose="02040503050406030204" pitchFamily="18" charset="0"/>
-      <p:regular r:id="rId17"/>
+      <p:regular r:id="rId22"/>
     </p:embeddedFont>
     <p:embeddedFont>
       <p:font typeface="Constantia" panose="02030602050306030303" pitchFamily="18" charset="0"/>
-      <p:regular r:id="rId18"/>
-      <p:bold r:id="rId19"/>
-      <p:italic r:id="rId20"/>
-      <p:boldItalic r:id="rId21"/>
+      <p:regular r:id="rId23"/>
+      <p:bold r:id="rId24"/>
+      <p:italic r:id="rId25"/>
+      <p:boldItalic r:id="rId26"/>
     </p:embeddedFont>
     <p:embeddedFont>
       <p:font typeface="Corbel" panose="020B0503020204020204" pitchFamily="34" charset="0"/>
-      <p:regular r:id="rId22"/>
-      <p:bold r:id="rId23"/>
-      <p:italic r:id="rId24"/>
-      <p:boldItalic r:id="rId25"/>
-    </p:embeddedFont>
-    <p:embeddedFont>
-      <p:font typeface="等线" panose="02010600030101010101" pitchFamily="2" charset="-122"/>
-      <p:regular r:id="rId26"/>
-      <p:bold r:id="rId27"/>
-    </p:embeddedFont>
-    <p:embeddedFont>
-      <p:font typeface="等线" panose="02010600030101010101" pitchFamily="2" charset="-122"/>
-      <p:regular r:id="rId26"/>
-      <p:bold r:id="rId27"/>
-    </p:embeddedFont>
-    <p:embeddedFont>
-      <p:font typeface="宋体" panose="02010600030101010101" pitchFamily="2" charset="-122"/>
-      <p:regular r:id="rId28"/>
-    </p:embeddedFont>
-    <p:embeddedFont>
-      <p:font typeface="微软雅黑" panose="020B0503020204020204" pitchFamily="34" charset="-122"/>
-      <p:regular r:id="rId29"/>
-      <p:bold r:id="rId30"/>
+      <p:regular r:id="rId27"/>
+      <p:bold r:id="rId28"/>
+      <p:italic r:id="rId29"/>
+      <p:boldItalic r:id="rId30"/>
     </p:embeddedFont>
   </p:embeddedFontLst>
   <p:defaultTextStyle>
@@ -1293,6 +1293,7 @@
     </c:legend>
     <c:plotVisOnly val="1"/>
     <c:dispBlanksAs val="gap"/>
+    <c:showDLblsOverMax val="0"/>
     <c:extLst>
       <c:ext xmlns:c16r3="http://schemas.microsoft.com/office/drawing/2017/03/chart" uri="{56B9EC1D-385E-4148-901F-78D8002777C0}">
         <c16r3:dataDisplayOptions16>
@@ -1300,7 +1301,6 @@
         </c16r3:dataDisplayOptions16>
       </c:ext>
     </c:extLst>
-    <c:showDLblsOverMax val="0"/>
   </c:chart>
   <c:spPr>
     <a:noFill/>
@@ -1966,7 +1966,7 @@
           <a:p>
             <a:fld id="{D2A48B96-639E-45A3-A0BA-2464DFDB1FAA}" type="datetimeFigureOut">
               <a:rPr lang="zh-CN" altLang="en-US" smtClean="0"/>
-              <a:t>2024/11/20</a:t>
+              <a:t>2025/9/19</a:t>
             </a:fld>
             <a:endParaRPr lang="zh-CN" altLang="en-US"/>
           </a:p>
@@ -3727,7 +3727,7 @@
           <a:p>
             <a:fld id="{82F288E0-7875-42C4-84C8-98DBBD3BF4D2}" type="datetimeFigureOut">
               <a:rPr lang="zh-CN" altLang="en-US" smtClean="0"/>
-              <a:t>2024/11/20</a:t>
+              <a:t>2025/9/19</a:t>
             </a:fld>
             <a:endParaRPr lang="zh-CN" altLang="en-US"/>
           </a:p>
@@ -3873,7 +3873,7 @@
           <a:p>
             <a:fld id="{82F288E0-7875-42C4-84C8-98DBBD3BF4D2}" type="datetimeFigureOut">
               <a:rPr lang="zh-CN" altLang="en-US" smtClean="0"/>
-              <a:t>2024/11/20</a:t>
+              <a:t>2025/9/19</a:t>
             </a:fld>
             <a:endParaRPr lang="zh-CN" altLang="en-US"/>
           </a:p>
@@ -4036,7 +4036,7 @@
           <a:p>
             <a:fld id="{82F288E0-7875-42C4-84C8-98DBBD3BF4D2}" type="datetimeFigureOut">
               <a:rPr lang="zh-CN" altLang="en-US" smtClean="0"/>
-              <a:t>2024/11/20</a:t>
+              <a:t>2025/9/19</a:t>
             </a:fld>
             <a:endParaRPr lang="zh-CN" altLang="en-US"/>
           </a:p>
@@ -4276,7 +4276,7 @@
           <a:p>
             <a:fld id="{82F288E0-7875-42C4-84C8-98DBBD3BF4D2}" type="datetimeFigureOut">
               <a:rPr lang="zh-CN" altLang="en-US" smtClean="0"/>
-              <a:t>2024/11/20</a:t>
+              <a:t>2025/9/19</a:t>
             </a:fld>
             <a:endParaRPr lang="zh-CN" altLang="en-US"/>
           </a:p>
@@ -4500,7 +4500,7 @@
           <a:p>
             <a:fld id="{82F288E0-7875-42C4-84C8-98DBBD3BF4D2}" type="datetimeFigureOut">
               <a:rPr lang="zh-CN" altLang="en-US" smtClean="0"/>
-              <a:t>2024/11/20</a:t>
+              <a:t>2025/9/19</a:t>
             </a:fld>
             <a:endParaRPr lang="zh-CN" altLang="en-US"/>
           </a:p>
@@ -4859,7 +4859,7 @@
           <a:p>
             <a:fld id="{82F288E0-7875-42C4-84C8-98DBBD3BF4D2}" type="datetimeFigureOut">
               <a:rPr lang="zh-CN" altLang="en-US" smtClean="0"/>
-              <a:t>2024/11/20</a:t>
+              <a:t>2025/9/19</a:t>
             </a:fld>
             <a:endParaRPr lang="zh-CN" altLang="en-US"/>
           </a:p>
@@ -4971,7 +4971,7 @@
           <a:p>
             <a:fld id="{82F288E0-7875-42C4-84C8-98DBBD3BF4D2}" type="datetimeFigureOut">
               <a:rPr lang="zh-CN" altLang="en-US" smtClean="0"/>
-              <a:t>2024/11/20</a:t>
+              <a:t>2025/9/19</a:t>
             </a:fld>
             <a:endParaRPr lang="zh-CN" altLang="en-US"/>
           </a:p>
@@ -5061,7 +5061,7 @@
           <a:p>
             <a:fld id="{82F288E0-7875-42C4-84C8-98DBBD3BF4D2}" type="datetimeFigureOut">
               <a:rPr lang="zh-CN" altLang="en-US" smtClean="0"/>
-              <a:t>2024/11/20</a:t>
+              <a:t>2025/9/19</a:t>
             </a:fld>
             <a:endParaRPr lang="zh-CN" altLang="en-US"/>
           </a:p>
@@ -5308,7 +5308,7 @@
           <a:p>
             <a:fld id="{82F288E0-7875-42C4-84C8-98DBBD3BF4D2}" type="datetimeFigureOut">
               <a:rPr lang="zh-CN" altLang="en-US" smtClean="0"/>
-              <a:t>2024/11/20</a:t>
+              <a:t>2025/9/19</a:t>
             </a:fld>
             <a:endParaRPr lang="zh-CN" altLang="en-US"/>
           </a:p>
@@ -5481,7 +5481,7 @@
           <a:p>
             <a:fld id="{82F288E0-7875-42C4-84C8-98DBBD3BF4D2}" type="datetimeFigureOut">
               <a:rPr lang="zh-CN" altLang="en-US" smtClean="0"/>
-              <a:t>2024/11/20</a:t>
+              <a:t>2025/9/19</a:t>
             </a:fld>
             <a:endParaRPr lang="zh-CN" altLang="en-US"/>
           </a:p>
@@ -5687,7 +5687,7 @@
           <a:p>
             <a:fld id="{82F288E0-7875-42C4-84C8-98DBBD3BF4D2}" type="datetimeFigureOut">
               <a:rPr lang="zh-CN" altLang="en-US" smtClean="0"/>
-              <a:t>2024/11/20</a:t>
+              <a:t>2025/9/19</a:t>
             </a:fld>
             <a:endParaRPr lang="zh-CN" altLang="en-US"/>
           </a:p>
@@ -6354,7 +6354,7 @@
                 <a:latin typeface="Constantia" panose="02030602050306030303" pitchFamily="18" charset="0"/>
                 <a:cs typeface="Times" panose="00000500000000020000" pitchFamily="18" charset="0"/>
               </a:rPr>
-              <a:t>November 20, 2024</a:t>
+              <a:t>September 19, 2025</a:t>
             </a:fld>
             <a:endParaRPr lang="zh-CN" altLang="en-US" sz="1400" b="1" dirty="0">
               <a:solidFill>
@@ -6477,7 +6477,7 @@
                 <a:latin typeface="DengXian" panose="02010600030101010101" pitchFamily="2" charset="-122"/>
                 <a:ea typeface="DengXian" panose="02010600030101010101" pitchFamily="2" charset="-122"/>
               </a:rPr>
-              <a:t>2024</a:t>
+              <a:t>2025</a:t>
             </a:r>
             <a:r>
               <a:rPr lang="zh-CN" altLang="en-US" sz="5400" b="1" dirty="0">
@@ -6646,7 +6646,7 @@
               <a:defRPr/>
             </a:pPr>
             <a:r>
-              <a:rPr lang="en-US" altLang="zh-CN" sz="3600" b="1" dirty="0">
+              <a:rPr lang="en-US" altLang="zh-CN" sz="3600" b="1">
                 <a:solidFill>
                   <a:schemeClr val="tx1">
                     <a:lumMod val="65000"/>
@@ -6658,7 +6658,7 @@
                 <a:cs typeface="Times New Roman" panose="02020603050405020304" pitchFamily="18" charset="0"/>
                 <a:sym typeface="+mn-ea"/>
               </a:rPr>
-              <a:t>2024.09</a:t>
+              <a:t>2025.09</a:t>
             </a:r>
             <a:endParaRPr lang="en-US" altLang="zh-CN" sz="3600" b="1" dirty="0">
               <a:solidFill>
@@ -7012,7 +7012,7 @@
                 <a:latin typeface="Constantia" panose="02030602050306030303" pitchFamily="18" charset="0"/>
                 <a:cs typeface="Times" panose="00000500000000020000" pitchFamily="18" charset="0"/>
               </a:rPr>
-              <a:t>November 20, 2024</a:t>
+              <a:t>September 19, 2025</a:t>
             </a:fld>
             <a:endParaRPr lang="zh-CN" altLang="en-US" sz="1400" b="1" dirty="0">
               <a:solidFill>
@@ -11181,7 +11181,7 @@
                 <a:latin typeface="Constantia" panose="02030602050306030303" pitchFamily="18" charset="0"/>
                 <a:cs typeface="Times" panose="00000500000000020000" pitchFamily="18" charset="0"/>
               </a:rPr>
-              <a:t>November 20, 2024</a:t>
+              <a:t>September 19, 2025</a:t>
             </a:fld>
             <a:endParaRPr lang="zh-CN" altLang="en-US" sz="1400" b="1" dirty="0">
               <a:solidFill>
@@ -11847,7 +11847,7 @@
                 <a:latin typeface="Constantia" panose="02030602050306030303" pitchFamily="18" charset="0"/>
                 <a:cs typeface="Times" panose="00000500000000020000" pitchFamily="18" charset="0"/>
               </a:rPr>
-              <a:t>November 20, 2024</a:t>
+              <a:t>September 19, 2025</a:t>
             </a:fld>
             <a:endParaRPr lang="zh-CN" altLang="en-US" sz="1400" b="1" dirty="0">
               <a:solidFill>
@@ -12927,7 +12927,7 @@
                 <a:latin typeface="Constantia" panose="02030602050306030303" pitchFamily="18" charset="0"/>
                 <a:cs typeface="Times" panose="00000500000000020000" pitchFamily="18" charset="0"/>
               </a:rPr>
-              <a:t>November 20, 2024</a:t>
+              <a:t>September 19, 2025</a:t>
             </a:fld>
             <a:endParaRPr lang="zh-CN" altLang="en-US" sz="1400" b="1" dirty="0">
               <a:solidFill>
@@ -14622,7 +14622,7 @@
                 <a:latin typeface="Constantia" panose="02030602050306030303" pitchFamily="18" charset="0"/>
                 <a:cs typeface="Times" panose="00000500000000020000" pitchFamily="18" charset="0"/>
               </a:rPr>
-              <a:t>November 20, 2024</a:t>
+              <a:t>September 19, 2025</a:t>
             </a:fld>
             <a:endParaRPr lang="zh-CN" altLang="en-US" sz="1400" b="1" dirty="0">
               <a:solidFill>
@@ -15694,7 +15694,7 @@
                 <a:latin typeface="Constantia" panose="02030602050306030303" pitchFamily="18" charset="0"/>
                 <a:cs typeface="Times" panose="00000500000000020000" pitchFamily="18" charset="0"/>
               </a:rPr>
-              <a:t>November 20, 2024</a:t>
+              <a:t>September 19, 2025</a:t>
             </a:fld>
             <a:endParaRPr lang="zh-CN" altLang="en-US" sz="1400" b="1" dirty="0">
               <a:solidFill>
@@ -16334,7 +16334,7 @@
                 <a:latin typeface="Constantia" panose="02030602050306030303" pitchFamily="18" charset="0"/>
                 <a:cs typeface="Times" panose="00000500000000020000" pitchFamily="18" charset="0"/>
               </a:rPr>
-              <a:t>November 20, 2024</a:t>
+              <a:t>September 19, 2025</a:t>
             </a:fld>
             <a:endParaRPr lang="zh-CN" altLang="en-US" sz="1400" b="1" dirty="0">
               <a:solidFill>
@@ -17953,7 +17953,7 @@
                 <a:latin typeface="Constantia" panose="02030602050306030303" pitchFamily="18" charset="0"/>
                 <a:cs typeface="Times" panose="00000500000000020000" pitchFamily="18" charset="0"/>
               </a:rPr>
-              <a:t>November 20, 2024</a:t>
+              <a:t>September 19, 2025</a:t>
             </a:fld>
             <a:endParaRPr lang="zh-CN" altLang="en-US" sz="1400" b="1" dirty="0">
               <a:solidFill>
@@ -18551,7 +18551,7 @@
                 <a:latin typeface="Constantia" panose="02030602050306030303" pitchFamily="18" charset="0"/>
                 <a:cs typeface="Times" panose="00000500000000020000" pitchFamily="18" charset="0"/>
               </a:rPr>
-              <a:t>November 20, 2024</a:t>
+              <a:t>September 19, 2025</a:t>
             </a:fld>
             <a:endParaRPr lang="zh-CN" altLang="en-US" sz="1400" b="1" dirty="0">
               <a:solidFill>
@@ -19715,7 +19715,7 @@
                 <a:latin typeface="Constantia" panose="02030602050306030303" pitchFamily="18" charset="0"/>
                 <a:cs typeface="Times" panose="00000500000000020000" pitchFamily="18" charset="0"/>
               </a:rPr>
-              <a:t>November 20, 2024</a:t>
+              <a:t>September 19, 2025</a:t>
             </a:fld>
             <a:endParaRPr lang="zh-CN" altLang="en-US" sz="1400" b="1" dirty="0">
               <a:solidFill>
@@ -20495,7 +20495,7 @@
                 <a:latin typeface="Constantia" panose="02030602050306030303" pitchFamily="18" charset="0"/>
                 <a:cs typeface="Times" panose="00000500000000020000" pitchFamily="18" charset="0"/>
               </a:rPr>
-              <a:t>November 20, 2024</a:t>
+              <a:t>September 19, 2025</a:t>
             </a:fld>
             <a:endParaRPr lang="zh-CN" altLang="en-US" sz="1400" b="1" dirty="0">
               <a:solidFill>
@@ -21328,7 +21328,7 @@
                 <a:latin typeface="Constantia" panose="02030602050306030303" pitchFamily="18" charset="0"/>
                 <a:cs typeface="Times" panose="00000500000000020000" pitchFamily="18" charset="0"/>
               </a:rPr>
-              <a:t>November 20, 2024</a:t>
+              <a:t>September 19, 2025</a:t>
             </a:fld>
             <a:endParaRPr lang="zh-CN" altLang="en-US" sz="1400" b="1" dirty="0">
               <a:solidFill>
@@ -21527,10 +21527,10 @@
       </p:pic>
       <p:pic>
         <p:nvPicPr>
-          <p:cNvPr id="8" name="图片 7">
+          <p:cNvPr id="2" name="图片 1">
             <a:extLst>
               <a:ext uri="{FF2B5EF4-FFF2-40B4-BE49-F238E27FC236}">
-                <a16:creationId xmlns:a16="http://schemas.microsoft.com/office/drawing/2014/main" id="{6B81E616-A37C-94DA-3825-F105A1904E19}"/>
+                <a16:creationId xmlns:a16="http://schemas.microsoft.com/office/drawing/2014/main" id="{BC007909-65A7-31A9-F245-FD47933DE40A}"/>
               </a:ext>
             </a:extLst>
           </p:cNvPr>
@@ -21547,8 +21547,8 @@
         </p:blipFill>
         <p:spPr>
           <a:xfrm>
-            <a:off x="1924050" y="1277774"/>
-            <a:ext cx="8343900" cy="4619625"/>
+            <a:off x="1665514" y="1499588"/>
+            <a:ext cx="7946571" cy="4300172"/>
           </a:xfrm>
           <a:prstGeom prst="rect">
             <a:avLst/>
@@ -21860,7 +21860,7 @@
                 <a:latin typeface="Constantia" panose="02030602050306030303" pitchFamily="18" charset="0"/>
                 <a:cs typeface="Times" panose="00000500000000020000" pitchFamily="18" charset="0"/>
               </a:rPr>
-              <a:t>November 20, 2024</a:t>
+              <a:t>September 19, 2025</a:t>
             </a:fld>
             <a:endParaRPr lang="zh-CN" altLang="en-US" sz="1400" b="1" dirty="0">
               <a:solidFill>
